--- a/documentacao/Apresentação1.pptx
+++ b/documentacao/Apresentação1.pptx
@@ -8,10 +8,8 @@
     <p:sldId id="256" r:id="rId2"/>
     <p:sldId id="257" r:id="rId3"/>
     <p:sldId id="258" r:id="rId4"/>
-    <p:sldId id="259" r:id="rId5"/>
-    <p:sldId id="262" r:id="rId6"/>
-    <p:sldId id="261" r:id="rId7"/>
-    <p:sldId id="260" r:id="rId8"/>
+    <p:sldId id="261" r:id="rId5"/>
+    <p:sldId id="260" r:id="rId6"/>
   </p:sldIdLst>
   <p:sldSz cx="9144000" cy="6858000" type="screen4x3"/>
   <p:notesSz cx="6858000" cy="9144000"/>
@@ -739,7 +737,7 @@
             <a:fld id="{45E3D890-2B82-4315-A9A5-29874387A9B7}" type="datetimeFigureOut">
               <a:rPr lang="pt-BR" smtClean="0"/>
               <a:pPr/>
-              <a:t>07/12/2023</a:t>
+              <a:t>08/12/2023</a:t>
             </a:fld>
             <a:endParaRPr lang="pt-BR"/>
           </a:p>
@@ -937,7 +935,7 @@
             <a:fld id="{45E3D890-2B82-4315-A9A5-29874387A9B7}" type="datetimeFigureOut">
               <a:rPr lang="pt-BR" smtClean="0"/>
               <a:pPr/>
-              <a:t>07/12/2023</a:t>
+              <a:t>08/12/2023</a:t>
             </a:fld>
             <a:endParaRPr lang="pt-BR"/>
           </a:p>
@@ -1124,7 +1122,7 @@
             <a:fld id="{45E3D890-2B82-4315-A9A5-29874387A9B7}" type="datetimeFigureOut">
               <a:rPr lang="pt-BR" smtClean="0"/>
               <a:pPr/>
-              <a:t>07/12/2023</a:t>
+              <a:t>08/12/2023</a:t>
             </a:fld>
             <a:endParaRPr lang="pt-BR"/>
           </a:p>
@@ -1276,7 +1274,7 @@
             <a:fld id="{45E3D890-2B82-4315-A9A5-29874387A9B7}" type="datetimeFigureOut">
               <a:rPr lang="pt-BR" smtClean="0"/>
               <a:pPr/>
-              <a:t>07/12/2023</a:t>
+              <a:t>08/12/2023</a:t>
             </a:fld>
             <a:endParaRPr lang="pt-BR"/>
           </a:p>
@@ -1533,7 +1531,7 @@
             <a:fld id="{45E3D890-2B82-4315-A9A5-29874387A9B7}" type="datetimeFigureOut">
               <a:rPr lang="pt-BR" smtClean="0"/>
               <a:pPr/>
-              <a:t>07/12/2023</a:t>
+              <a:t>08/12/2023</a:t>
             </a:fld>
             <a:endParaRPr lang="pt-BR"/>
           </a:p>
@@ -1944,7 +1942,7 @@
             <a:fld id="{45E3D890-2B82-4315-A9A5-29874387A9B7}" type="datetimeFigureOut">
               <a:rPr lang="pt-BR" smtClean="0"/>
               <a:pPr/>
-              <a:t>07/12/2023</a:t>
+              <a:t>08/12/2023</a:t>
             </a:fld>
             <a:endParaRPr lang="pt-BR"/>
           </a:p>
@@ -2392,7 +2390,7 @@
             <a:fld id="{45E3D890-2B82-4315-A9A5-29874387A9B7}" type="datetimeFigureOut">
               <a:rPr lang="pt-BR" smtClean="0"/>
               <a:pPr/>
-              <a:t>07/12/2023</a:t>
+              <a:t>08/12/2023</a:t>
             </a:fld>
             <a:endParaRPr lang="pt-BR"/>
           </a:p>
@@ -2495,7 +2493,7 @@
             <a:fld id="{45E3D890-2B82-4315-A9A5-29874387A9B7}" type="datetimeFigureOut">
               <a:rPr lang="pt-BR" smtClean="0"/>
               <a:pPr/>
-              <a:t>07/12/2023</a:t>
+              <a:t>08/12/2023</a:t>
             </a:fld>
             <a:endParaRPr lang="pt-BR"/>
           </a:p>
@@ -2618,7 +2616,7 @@
             <a:fld id="{45E3D890-2B82-4315-A9A5-29874387A9B7}" type="datetimeFigureOut">
               <a:rPr lang="pt-BR" smtClean="0"/>
               <a:pPr/>
-              <a:t>07/12/2023</a:t>
+              <a:t>08/12/2023</a:t>
             </a:fld>
             <a:endParaRPr lang="pt-BR"/>
           </a:p>
@@ -2894,7 +2892,7 @@
             <a:fld id="{45E3D890-2B82-4315-A9A5-29874387A9B7}" type="datetimeFigureOut">
               <a:rPr lang="pt-BR" smtClean="0"/>
               <a:pPr/>
-              <a:t>07/12/2023</a:t>
+              <a:t>08/12/2023</a:t>
             </a:fld>
             <a:endParaRPr lang="pt-BR"/>
           </a:p>
@@ -3101,7 +3099,7 @@
             <a:fld id="{45E3D890-2B82-4315-A9A5-29874387A9B7}" type="datetimeFigureOut">
               <a:rPr lang="pt-BR" smtClean="0"/>
               <a:pPr/>
-              <a:t>07/12/2023</a:t>
+              <a:t>08/12/2023</a:t>
             </a:fld>
             <a:endParaRPr lang="pt-BR"/>
           </a:p>
@@ -4212,7 +4210,7 @@
             <a:fld id="{45E3D890-2B82-4315-A9A5-29874387A9B7}" type="datetimeFigureOut">
               <a:rPr lang="pt-BR" smtClean="0"/>
               <a:pPr/>
-              <a:t>07/12/2023</a:t>
+              <a:t>08/12/2023</a:t>
             </a:fld>
             <a:endParaRPr lang="pt-BR"/>
           </a:p>
@@ -4674,20 +4672,28 @@
             <p:ph type="subTitle" idx="1"/>
           </p:nvPr>
         </p:nvSpPr>
-        <p:spPr/>
-        <p:txBody>
-          <a:bodyPr/>
+        <p:spPr>
+          <a:xfrm>
+            <a:off x="179512" y="3611607"/>
+            <a:ext cx="8208912" cy="1199704"/>
+          </a:xfrm>
+        </p:spPr>
+        <p:txBody>
+          <a:bodyPr>
+            <a:normAutofit lnSpcReduction="10000"/>
+          </a:bodyPr>
           <a:lstStyle/>
           <a:p>
             <a:r>
               <a:rPr lang="pt-BR" sz="2300" dirty="0" smtClean="0"/>
-              <a:t>Sprint – </a:t>
-            </a:r>
+              <a:t>Sprint – 4 – Engenharia de Sistemas </a:t>
+            </a:r>
+          </a:p>
+          <a:p>
             <a:r>
               <a:rPr lang="pt-BR" sz="2300" dirty="0" smtClean="0"/>
-              <a:t>4 – Softwares Inteligentes</a:t>
-            </a:r>
-            <a:endParaRPr lang="pt-BR" sz="2300" dirty="0" smtClean="0"/>
+              <a:t>de Softwares Inteligentes</a:t>
+            </a:r>
           </a:p>
           <a:p>
             <a:r>
@@ -4764,137 +4770,896 @@
             <p:ph idx="1"/>
           </p:nvPr>
         </p:nvSpPr>
-        <p:spPr/>
+        <p:spPr>
+          <a:xfrm>
+            <a:off x="107504" y="1268760"/>
+            <a:ext cx="8229600" cy="1659639"/>
+          </a:xfrm>
+        </p:spPr>
         <p:txBody>
           <a:bodyPr>
-            <a:normAutofit fontScale="92500"/>
+            <a:normAutofit/>
           </a:bodyPr>
           <a:lstStyle/>
           <a:p>
             <a:r>
-              <a:rPr lang="pt-BR" dirty="0" smtClean="0"/>
-              <a:t>Objetivo </a:t>
+              <a:rPr lang="pt-BR" sz="2000" b="1" dirty="0" smtClean="0"/>
+              <a:t>Objetivo</a:t>
+            </a:r>
+            <a:r>
+              <a:rPr lang="pt-BR" sz="2000" dirty="0" smtClean="0"/>
+              <a:t> </a:t>
             </a:r>
           </a:p>
           <a:p>
             <a:pPr lvl="1"/>
             <a:r>
-              <a:rPr lang="pt-BR" dirty="0" smtClean="0"/>
-              <a:t>Utilizar o modelo de Machine </a:t>
-            </a:r>
-            <a:r>
-              <a:rPr lang="pt-BR" dirty="0" err="1" smtClean="0"/>
+              <a:rPr lang="pt-BR" sz="2000" dirty="0" smtClean="0"/>
+              <a:t>Aplicação ou não de </a:t>
+            </a:r>
+            <a:r>
+              <a:rPr lang="pt-BR" sz="2000" dirty="0" smtClean="0"/>
+              <a:t>agravo no prêmio de seguro de cargas </a:t>
+            </a:r>
+            <a:r>
+              <a:rPr lang="pt-BR" sz="2000" dirty="0" smtClean="0"/>
+              <a:t>com o uso </a:t>
+            </a:r>
+            <a:r>
+              <a:rPr lang="pt-BR" sz="2000" dirty="0" smtClean="0"/>
+              <a:t>de um modelo Machine </a:t>
+            </a:r>
+            <a:r>
+              <a:rPr lang="pt-BR" sz="2000" dirty="0" err="1" smtClean="0"/>
               <a:t>Learning</a:t>
             </a:r>
-            <a:r>
-              <a:rPr lang="pt-BR" dirty="0" smtClean="0"/>
-              <a:t> sobre acidentes de caminhão fornecido pela concessionária Nova Dutra</a:t>
-            </a:r>
-            <a:endParaRPr lang="pt-BR" dirty="0" smtClean="0"/>
-          </a:p>
-          <a:p>
-            <a:pPr lvl="1">
+            <a:endParaRPr lang="pt-BR" sz="2000" dirty="0" smtClean="0"/>
+          </a:p>
+        </p:txBody>
+      </p:sp>
+      <p:sp>
+        <p:nvSpPr>
+          <p:cNvPr id="3" name="Título 2"/>
+          <p:cNvSpPr>
+            <a:spLocks noGrp="1"/>
+          </p:cNvSpPr>
+          <p:nvPr>
+            <p:ph type="title"/>
+          </p:nvPr>
+        </p:nvSpPr>
+        <p:spPr>
+          <a:xfrm>
+            <a:off x="457200" y="274638"/>
+            <a:ext cx="8229600" cy="778098"/>
+          </a:xfrm>
+        </p:spPr>
+        <p:txBody>
+          <a:bodyPr>
+            <a:normAutofit/>
+          </a:bodyPr>
+          <a:lstStyle/>
+          <a:p>
+            <a:r>
+              <a:rPr lang="pt-BR" sz="2800" dirty="0" smtClean="0"/>
+              <a:t>MVP – </a:t>
+            </a:r>
+            <a:r>
+              <a:rPr lang="pt-BR" sz="2800" dirty="0" err="1" smtClean="0"/>
+              <a:t>Sprint</a:t>
+            </a:r>
+            <a:r>
+              <a:rPr lang="pt-BR" sz="2800" dirty="0" smtClean="0"/>
+              <a:t> 4</a:t>
+            </a:r>
+            <a:endParaRPr lang="pt-BR" sz="2800" dirty="0"/>
+          </a:p>
+        </p:txBody>
+      </p:sp>
+      <p:sp>
+        <p:nvSpPr>
+          <p:cNvPr id="4" name="Espaço Reservado para Conteúdo 1"/>
+          <p:cNvSpPr txBox="1">
+            <a:spLocks/>
+          </p:cNvSpPr>
+          <p:nvPr/>
+        </p:nvSpPr>
+        <p:spPr>
+          <a:xfrm>
+            <a:off x="0" y="2852936"/>
+            <a:ext cx="5652120" cy="3085803"/>
+          </a:xfrm>
+          <a:prstGeom prst="rect">
+            <a:avLst/>
+          </a:prstGeom>
+        </p:spPr>
+        <p:txBody>
+          <a:bodyPr vert="horz">
+            <a:normAutofit fontScale="92500" lnSpcReduction="10000"/>
+          </a:bodyPr>
+          <a:lstStyle/>
+          <a:p>
+            <a:pPr marL="621792" marR="0" lvl="1" indent="-228600" algn="l" defTabSz="914400" rtl="0" eaLnBrk="1" fontAlgn="auto" latinLnBrk="0" hangingPunct="1">
+              <a:lnSpc>
+                <a:spcPct val="100000"/>
+              </a:lnSpc>
+              <a:spcBef>
+                <a:spcPts val="324"/>
+              </a:spcBef>
+              <a:spcAft>
+                <a:spcPts val="0"/>
+              </a:spcAft>
+              <a:buClr>
+                <a:schemeClr val="accent1"/>
+              </a:buClr>
+              <a:buSzTx/>
+              <a:buFont typeface="Verdana"/>
               <a:buNone/>
+              <a:tabLst/>
+              <a:defRPr/>
             </a:pPr>
-            <a:endParaRPr lang="pt-BR" dirty="0" smtClean="0"/>
-          </a:p>
-          <a:p>
-            <a:r>
-              <a:rPr lang="pt-BR" dirty="0" smtClean="0"/>
-              <a:t>Alvos</a:t>
-            </a:r>
-          </a:p>
-          <a:p>
-            <a:pPr lvl="1"/>
-            <a:r>
-              <a:rPr lang="pt-BR" dirty="0" smtClean="0"/>
-              <a:t>Atender </a:t>
-            </a:r>
-            <a:r>
-              <a:rPr lang="pt-BR" dirty="0" smtClean="0"/>
-              <a:t>as seguradoras e clientes que fazem seguro no ramo de transportes de cargas terrestres</a:t>
-            </a:r>
-            <a:endParaRPr lang="pt-BR" dirty="0" smtClean="0"/>
-          </a:p>
-          <a:p>
-            <a:pPr lvl="1"/>
-            <a:endParaRPr lang="pt-BR" dirty="0" smtClean="0"/>
-          </a:p>
-          <a:p>
-            <a:r>
-              <a:rPr lang="pt-BR" dirty="0" smtClean="0"/>
-              <a:t>Modelo</a:t>
-            </a:r>
-          </a:p>
-          <a:p>
-            <a:pPr lvl="1"/>
-            <a:r>
-              <a:rPr lang="pt-BR" dirty="0" smtClean="0"/>
-              <a:t>Gerenciamento </a:t>
-            </a:r>
-            <a:r>
-              <a:rPr lang="pt-BR" dirty="0" smtClean="0"/>
-              <a:t>de risc</a:t>
-            </a:r>
-            <a:r>
-              <a:rPr lang="pt-BR" dirty="0" smtClean="0"/>
-              <a:t>o e precificação do produto</a:t>
-            </a:r>
-            <a:endParaRPr lang="pt-BR" dirty="0" smtClean="0"/>
-          </a:p>
-          <a:p>
-            <a:pPr lvl="1">
+            <a:endParaRPr kumimoji="0" lang="pt-BR" sz="2300" b="0" i="0" u="none" strike="noStrike" kern="1200" cap="none" spc="0" normalizeH="0" baseline="0" noProof="0" dirty="0" smtClean="0">
+              <a:ln>
+                <a:noFill/>
+              </a:ln>
+              <a:solidFill>
+                <a:schemeClr val="tx1"/>
+              </a:solidFill>
+              <a:effectLst/>
+              <a:uLnTx/>
+              <a:uFillTx/>
+              <a:latin typeface="+mn-lt"/>
+              <a:ea typeface="+mn-ea"/>
+              <a:cs typeface="+mn-cs"/>
+            </a:endParaRPr>
+          </a:p>
+          <a:p>
+            <a:pPr marL="365760" marR="0" lvl="0" indent="-256032" algn="l" defTabSz="914400" rtl="0" eaLnBrk="1" fontAlgn="auto" latinLnBrk="0" hangingPunct="1">
+              <a:lnSpc>
+                <a:spcPct val="100000"/>
+              </a:lnSpc>
+              <a:spcBef>
+                <a:spcPts val="400"/>
+              </a:spcBef>
+              <a:spcAft>
+                <a:spcPts val="0"/>
+              </a:spcAft>
+              <a:buClr>
+                <a:schemeClr val="accent1"/>
+              </a:buClr>
+              <a:buSzPct val="68000"/>
+              <a:buFont typeface="Wingdings 3"/>
+              <a:buChar char=""/>
+              <a:tabLst/>
+              <a:defRPr/>
+            </a:pPr>
+            <a:r>
+              <a:rPr kumimoji="0" lang="pt-BR" sz="2700" b="1" i="0" u="none" strike="noStrike" kern="1200" cap="none" spc="0" normalizeH="0" baseline="0" noProof="0" dirty="0" smtClean="0">
+                <a:ln>
+                  <a:noFill/>
+                </a:ln>
+                <a:solidFill>
+                  <a:schemeClr val="tx1"/>
+                </a:solidFill>
+                <a:effectLst/>
+                <a:uLnTx/>
+                <a:uFillTx/>
+                <a:latin typeface="+mn-lt"/>
+                <a:ea typeface="+mn-ea"/>
+                <a:cs typeface="+mn-cs"/>
+              </a:rPr>
+              <a:t>Machine </a:t>
+            </a:r>
+            <a:r>
+              <a:rPr kumimoji="0" lang="pt-BR" sz="2700" b="1" i="0" u="none" strike="noStrike" kern="1200" cap="none" spc="0" normalizeH="0" baseline="0" noProof="0" dirty="0" err="1" smtClean="0">
+                <a:ln>
+                  <a:noFill/>
+                </a:ln>
+                <a:solidFill>
+                  <a:schemeClr val="tx1"/>
+                </a:solidFill>
+                <a:effectLst/>
+                <a:uLnTx/>
+                <a:uFillTx/>
+                <a:latin typeface="+mn-lt"/>
+                <a:ea typeface="+mn-ea"/>
+                <a:cs typeface="+mn-cs"/>
+              </a:rPr>
+              <a:t>Learning</a:t>
+            </a:r>
+            <a:endParaRPr kumimoji="0" lang="pt-BR" sz="2700" b="1" i="0" u="none" strike="noStrike" kern="1200" cap="none" spc="0" normalizeH="0" baseline="0" noProof="0" dirty="0" smtClean="0">
+              <a:ln>
+                <a:noFill/>
+              </a:ln>
+              <a:solidFill>
+                <a:schemeClr val="tx1"/>
+              </a:solidFill>
+              <a:effectLst/>
+              <a:uLnTx/>
+              <a:uFillTx/>
+              <a:latin typeface="+mn-lt"/>
+              <a:ea typeface="+mn-ea"/>
+              <a:cs typeface="+mn-cs"/>
+            </a:endParaRPr>
+          </a:p>
+          <a:p>
+            <a:pPr marL="621792" marR="0" lvl="1" indent="-228600" algn="l" defTabSz="914400" rtl="0" eaLnBrk="1" fontAlgn="auto" latinLnBrk="0" hangingPunct="1">
+              <a:lnSpc>
+                <a:spcPct val="100000"/>
+              </a:lnSpc>
+              <a:spcBef>
+                <a:spcPts val="324"/>
+              </a:spcBef>
+              <a:spcAft>
+                <a:spcPts val="0"/>
+              </a:spcAft>
+              <a:buClr>
+                <a:schemeClr val="accent1"/>
+              </a:buClr>
+              <a:buSzTx/>
+              <a:buFont typeface="Verdana"/>
+              <a:buChar char="◦"/>
+              <a:tabLst/>
+              <a:defRPr/>
+            </a:pPr>
+            <a:r>
+              <a:rPr kumimoji="0" lang="pt-BR" sz="1400" b="1" i="0" u="none" strike="noStrike" kern="1200" cap="none" spc="0" normalizeH="0" baseline="0" noProof="0" dirty="0" smtClean="0">
+                <a:ln>
+                  <a:noFill/>
+                </a:ln>
+                <a:solidFill>
+                  <a:schemeClr val="tx1"/>
+                </a:solidFill>
+                <a:effectLst/>
+                <a:uLnTx/>
+                <a:uFillTx/>
+                <a:latin typeface="+mn-lt"/>
+                <a:ea typeface="+mn-ea"/>
+                <a:cs typeface="+mn-cs"/>
+              </a:rPr>
+              <a:t>Tipo:</a:t>
+            </a:r>
+            <a:r>
+              <a:rPr kumimoji="0" lang="pt-BR" sz="1300" b="0" i="0" u="none" strike="noStrike" kern="1200" cap="none" spc="0" normalizeH="0" baseline="0" noProof="0" dirty="0" smtClean="0">
+                <a:ln>
+                  <a:noFill/>
+                </a:ln>
+                <a:solidFill>
+                  <a:schemeClr val="tx1"/>
+                </a:solidFill>
+                <a:effectLst/>
+                <a:uLnTx/>
+                <a:uFillTx/>
+                <a:latin typeface="+mn-lt"/>
+                <a:ea typeface="+mn-ea"/>
+                <a:cs typeface="+mn-cs"/>
+              </a:rPr>
+              <a:t> Classificação – Supervisionado</a:t>
+            </a:r>
+          </a:p>
+          <a:p>
+            <a:pPr marL="621792" marR="0" lvl="1" indent="-228600" algn="l" defTabSz="914400" rtl="0" eaLnBrk="1" fontAlgn="auto" latinLnBrk="0" hangingPunct="1">
+              <a:lnSpc>
+                <a:spcPct val="100000"/>
+              </a:lnSpc>
+              <a:spcBef>
+                <a:spcPts val="324"/>
+              </a:spcBef>
+              <a:spcAft>
+                <a:spcPts val="0"/>
+              </a:spcAft>
+              <a:buClr>
+                <a:schemeClr val="accent1"/>
+              </a:buClr>
+              <a:buSzTx/>
+              <a:buFont typeface="Verdana"/>
+              <a:buChar char="◦"/>
+              <a:tabLst/>
+              <a:defRPr/>
+            </a:pPr>
+            <a:endParaRPr kumimoji="0" lang="pt-BR" sz="1300" b="0" i="0" u="none" strike="noStrike" kern="1200" cap="none" spc="0" normalizeH="0" baseline="0" noProof="0" dirty="0" smtClean="0">
+              <a:ln>
+                <a:noFill/>
+              </a:ln>
+              <a:solidFill>
+                <a:schemeClr val="tx1"/>
+              </a:solidFill>
+              <a:effectLst/>
+              <a:uLnTx/>
+              <a:uFillTx/>
+              <a:latin typeface="+mn-lt"/>
+              <a:ea typeface="+mn-ea"/>
+              <a:cs typeface="+mn-cs"/>
+            </a:endParaRPr>
+          </a:p>
+          <a:p>
+            <a:pPr marL="621792" marR="0" lvl="1" indent="-228600" algn="l" defTabSz="914400" rtl="0" eaLnBrk="1" fontAlgn="auto" latinLnBrk="0" hangingPunct="1">
+              <a:lnSpc>
+                <a:spcPct val="100000"/>
+              </a:lnSpc>
+              <a:spcBef>
+                <a:spcPts val="324"/>
+              </a:spcBef>
+              <a:spcAft>
+                <a:spcPts val="0"/>
+              </a:spcAft>
+              <a:buClr>
+                <a:schemeClr val="accent1"/>
+              </a:buClr>
+              <a:buSzTx/>
+              <a:buFont typeface="Verdana"/>
+              <a:buChar char="◦"/>
+              <a:tabLst/>
+              <a:defRPr/>
+            </a:pPr>
+            <a:r>
+              <a:rPr kumimoji="0" lang="pt-BR" sz="1400" b="1" i="0" u="none" strike="noStrike" kern="1200" cap="none" spc="0" normalizeH="0" baseline="0" noProof="0" dirty="0" err="1" smtClean="0">
+                <a:ln>
+                  <a:noFill/>
+                </a:ln>
+                <a:solidFill>
+                  <a:schemeClr val="tx1"/>
+                </a:solidFill>
+                <a:effectLst/>
+                <a:uLnTx/>
+                <a:uFillTx/>
+                <a:latin typeface="+mn-lt"/>
+                <a:ea typeface="+mn-ea"/>
+                <a:cs typeface="+mn-cs"/>
+              </a:rPr>
+              <a:t>DataSet</a:t>
+            </a:r>
+            <a:r>
+              <a:rPr kumimoji="0" lang="pt-BR" sz="1400" b="1" i="0" u="none" strike="noStrike" kern="1200" cap="none" spc="0" normalizeH="0" baseline="0" noProof="0" dirty="0" smtClean="0">
+                <a:ln>
+                  <a:noFill/>
+                </a:ln>
+                <a:solidFill>
+                  <a:schemeClr val="tx1"/>
+                </a:solidFill>
+                <a:effectLst/>
+                <a:uLnTx/>
+                <a:uFillTx/>
+                <a:latin typeface="+mn-lt"/>
+                <a:ea typeface="+mn-ea"/>
+                <a:cs typeface="+mn-cs"/>
+              </a:rPr>
+              <a:t>: </a:t>
+            </a:r>
+            <a:r>
+              <a:rPr kumimoji="0" lang="pt-BR" sz="1400" b="0" i="0" u="none" strike="noStrike" kern="1200" cap="none" spc="0" normalizeH="0" baseline="0" noProof="0" dirty="0" smtClean="0">
+                <a:ln>
+                  <a:noFill/>
+                </a:ln>
+                <a:solidFill>
+                  <a:schemeClr val="tx1"/>
+                </a:solidFill>
+                <a:effectLst/>
+                <a:uLnTx/>
+                <a:uFillTx/>
+                <a:latin typeface="+mn-lt"/>
+                <a:ea typeface="+mn-ea"/>
+                <a:cs typeface="+mn-cs"/>
+              </a:rPr>
+              <a:t>A</a:t>
+            </a:r>
+            <a:r>
+              <a:rPr kumimoji="0" lang="pt-BR" sz="1300" b="0" i="0" u="none" strike="noStrike" kern="1200" cap="none" spc="0" normalizeH="0" baseline="0" noProof="0" dirty="0" smtClean="0">
+                <a:ln>
+                  <a:noFill/>
+                </a:ln>
+                <a:solidFill>
+                  <a:schemeClr val="tx1"/>
+                </a:solidFill>
+                <a:effectLst/>
+                <a:uLnTx/>
+                <a:uFillTx/>
+                <a:latin typeface="+mn-lt"/>
+                <a:ea typeface="+mn-ea"/>
+                <a:cs typeface="+mn-cs"/>
+              </a:rPr>
+              <a:t>cidentes </a:t>
+            </a:r>
+            <a:r>
+              <a:rPr kumimoji="0" lang="pt-BR" sz="1300" b="0" i="0" u="none" strike="noStrike" kern="1200" cap="none" spc="0" normalizeH="0" baseline="0" noProof="0" dirty="0" smtClean="0">
+                <a:ln>
+                  <a:noFill/>
+                </a:ln>
+                <a:solidFill>
+                  <a:schemeClr val="tx1"/>
+                </a:solidFill>
+                <a:effectLst/>
+                <a:uLnTx/>
+                <a:uFillTx/>
+                <a:latin typeface="+mn-lt"/>
+                <a:ea typeface="+mn-ea"/>
+                <a:cs typeface="+mn-cs"/>
+              </a:rPr>
+              <a:t>de trânsitos</a:t>
+            </a:r>
+            <a:r>
+              <a:rPr kumimoji="0" lang="pt-BR" sz="1300" b="0" i="0" u="none" strike="noStrike" kern="1200" cap="none" spc="0" normalizeH="0" noProof="0" dirty="0" smtClean="0">
+                <a:ln>
+                  <a:noFill/>
+                </a:ln>
+                <a:solidFill>
+                  <a:schemeClr val="tx1"/>
+                </a:solidFill>
+                <a:effectLst/>
+                <a:uLnTx/>
+                <a:uFillTx/>
+                <a:latin typeface="+mn-lt"/>
+                <a:ea typeface="+mn-ea"/>
+                <a:cs typeface="+mn-cs"/>
+              </a:rPr>
+              <a:t> </a:t>
+            </a:r>
+            <a:r>
+              <a:rPr kumimoji="0" lang="pt-BR" sz="1300" b="0" i="0" u="none" strike="noStrike" kern="1200" cap="none" spc="0" normalizeH="0" baseline="0" noProof="0" dirty="0" smtClean="0">
+                <a:ln>
+                  <a:noFill/>
+                </a:ln>
+                <a:solidFill>
+                  <a:schemeClr val="tx1"/>
+                </a:solidFill>
+                <a:effectLst/>
+                <a:uLnTx/>
+                <a:uFillTx/>
+                <a:latin typeface="+mn-lt"/>
+                <a:ea typeface="+mn-ea"/>
+                <a:cs typeface="+mn-cs"/>
+              </a:rPr>
+              <a:t>com caminhões </a:t>
+            </a:r>
+            <a:r>
+              <a:rPr kumimoji="0" lang="pt-BR" sz="1300" b="0" i="0" u="none" strike="noStrike" kern="1200" cap="none" spc="0" normalizeH="0" baseline="0" noProof="0" dirty="0" smtClean="0">
+                <a:ln>
+                  <a:noFill/>
+                </a:ln>
+                <a:solidFill>
+                  <a:schemeClr val="tx1"/>
+                </a:solidFill>
+                <a:effectLst/>
+                <a:uLnTx/>
+                <a:uFillTx/>
+                <a:latin typeface="+mn-lt"/>
+                <a:ea typeface="+mn-ea"/>
+                <a:cs typeface="+mn-cs"/>
+              </a:rPr>
+              <a:t>na </a:t>
+            </a:r>
+            <a:r>
+              <a:rPr kumimoji="0" lang="pt-BR" sz="1300" b="0" i="0" u="none" strike="noStrike" kern="1200" cap="none" spc="0" normalizeH="0" baseline="0" noProof="0" dirty="0" smtClean="0">
+                <a:ln>
+                  <a:noFill/>
+                </a:ln>
+                <a:solidFill>
+                  <a:schemeClr val="tx1"/>
+                </a:solidFill>
+                <a:effectLst/>
+                <a:uLnTx/>
+                <a:uFillTx/>
+                <a:latin typeface="+mn-lt"/>
+                <a:ea typeface="+mn-ea"/>
+                <a:cs typeface="+mn-cs"/>
+              </a:rPr>
+              <a:t>rodovia Nova</a:t>
+            </a:r>
+            <a:r>
+              <a:rPr kumimoji="0" lang="pt-BR" sz="1300" b="0" i="0" u="none" strike="noStrike" kern="1200" cap="none" spc="0" normalizeH="0" noProof="0" dirty="0" smtClean="0">
+                <a:ln>
+                  <a:noFill/>
+                </a:ln>
+                <a:solidFill>
+                  <a:schemeClr val="tx1"/>
+                </a:solidFill>
+                <a:effectLst/>
+                <a:uLnTx/>
+                <a:uFillTx/>
+                <a:latin typeface="+mn-lt"/>
+                <a:ea typeface="+mn-ea"/>
+                <a:cs typeface="+mn-cs"/>
+              </a:rPr>
+              <a:t> 	         Dutra (SP / RJ) – </a:t>
+            </a:r>
+            <a:r>
+              <a:rPr kumimoji="0" lang="pt-BR" sz="1300" b="0" i="0" u="none" strike="noStrike" kern="1200" cap="none" spc="0" normalizeH="0" noProof="0" dirty="0" err="1" smtClean="0">
+                <a:ln>
+                  <a:noFill/>
+                </a:ln>
+                <a:solidFill>
+                  <a:schemeClr val="tx1"/>
+                </a:solidFill>
+                <a:effectLst/>
+                <a:uLnTx/>
+                <a:uFillTx/>
+                <a:latin typeface="+mn-lt"/>
+                <a:ea typeface="+mn-ea"/>
+                <a:cs typeface="+mn-cs"/>
+              </a:rPr>
+              <a:t>periodo</a:t>
+            </a:r>
+            <a:r>
+              <a:rPr kumimoji="0" lang="pt-BR" sz="1300" b="0" i="0" u="none" strike="noStrike" kern="1200" cap="none" spc="0" normalizeH="0" noProof="0" dirty="0" smtClean="0">
+                <a:ln>
+                  <a:noFill/>
+                </a:ln>
+                <a:solidFill>
+                  <a:schemeClr val="tx1"/>
+                </a:solidFill>
+                <a:effectLst/>
+                <a:uLnTx/>
+                <a:uFillTx/>
+                <a:latin typeface="+mn-lt"/>
+                <a:ea typeface="+mn-ea"/>
+                <a:cs typeface="+mn-cs"/>
+              </a:rPr>
+              <a:t> de 2010 à set/2023.</a:t>
+            </a:r>
+          </a:p>
+          <a:p>
+            <a:pPr marL="621792" marR="0" lvl="1" indent="-228600" algn="l" defTabSz="914400" rtl="0" eaLnBrk="1" fontAlgn="auto" latinLnBrk="0" hangingPunct="1">
+              <a:lnSpc>
+                <a:spcPct val="100000"/>
+              </a:lnSpc>
+              <a:spcBef>
+                <a:spcPts val="324"/>
+              </a:spcBef>
+              <a:spcAft>
+                <a:spcPts val="0"/>
+              </a:spcAft>
+              <a:buClr>
+                <a:schemeClr val="accent1"/>
+              </a:buClr>
+              <a:buSzTx/>
+              <a:buFont typeface="Verdana"/>
+              <a:buChar char="◦"/>
+              <a:tabLst/>
+              <a:defRPr/>
+            </a:pPr>
+            <a:endParaRPr kumimoji="0" lang="pt-BR" sz="1300" b="0" i="0" u="none" strike="noStrike" kern="1200" cap="none" spc="0" normalizeH="0" baseline="0" noProof="0" dirty="0" smtClean="0">
+              <a:ln>
+                <a:noFill/>
+              </a:ln>
+              <a:solidFill>
+                <a:schemeClr val="tx1"/>
+              </a:solidFill>
+              <a:effectLst/>
+              <a:uLnTx/>
+              <a:uFillTx/>
+              <a:latin typeface="+mn-lt"/>
+              <a:ea typeface="+mn-ea"/>
+              <a:cs typeface="+mn-cs"/>
+            </a:endParaRPr>
+          </a:p>
+          <a:p>
+            <a:pPr marL="1143000" marR="0" lvl="3" indent="-228600" algn="l" defTabSz="914400" rtl="0" eaLnBrk="1" fontAlgn="auto" latinLnBrk="0" hangingPunct="1">
+              <a:lnSpc>
+                <a:spcPct val="100000"/>
+              </a:lnSpc>
+              <a:spcBef>
+                <a:spcPts val="350"/>
+              </a:spcBef>
+              <a:spcAft>
+                <a:spcPts val="0"/>
+              </a:spcAft>
+              <a:buClr>
+                <a:schemeClr val="accent2"/>
+              </a:buClr>
+              <a:buSzTx/>
+              <a:buFont typeface="Wingdings 2"/>
+              <a:buChar char=""/>
+              <a:tabLst/>
+              <a:defRPr/>
+            </a:pPr>
+            <a:r>
+              <a:rPr kumimoji="0" lang="pt-BR" sz="1100" b="1" i="0" u="none" strike="noStrike" kern="1200" cap="none" spc="0" normalizeH="0" baseline="0" noProof="0" dirty="0" smtClean="0">
+                <a:ln>
+                  <a:noFill/>
+                </a:ln>
+                <a:solidFill>
+                  <a:schemeClr val="tx1"/>
+                </a:solidFill>
+                <a:effectLst/>
+                <a:uLnTx/>
+                <a:uFillTx/>
+                <a:latin typeface="+mn-lt"/>
+                <a:ea typeface="+mn-ea"/>
+                <a:cs typeface="+mn-cs"/>
+              </a:rPr>
+              <a:t>Fonte</a:t>
+            </a:r>
+            <a:r>
+              <a:rPr kumimoji="0" lang="pt-BR" sz="1100" b="1" i="0" u="none" strike="noStrike" kern="1200" cap="none" spc="0" normalizeH="0" baseline="0" noProof="0" dirty="0" smtClean="0">
+                <a:ln>
+                  <a:noFill/>
+                </a:ln>
+                <a:solidFill>
+                  <a:schemeClr val="tx1"/>
+                </a:solidFill>
+                <a:effectLst/>
+                <a:uLnTx/>
+                <a:uFillTx/>
+                <a:latin typeface="+mn-lt"/>
+                <a:ea typeface="+mn-ea"/>
+                <a:cs typeface="+mn-cs"/>
+              </a:rPr>
+              <a:t>: </a:t>
+            </a:r>
+            <a:r>
+              <a:rPr kumimoji="0" lang="pt-BR" sz="1100" b="0" i="0" u="none" strike="noStrike" kern="1200" cap="none" spc="0" normalizeH="0" baseline="0" noProof="0" dirty="0" smtClean="0">
+                <a:ln>
+                  <a:noFill/>
+                </a:ln>
+                <a:solidFill>
+                  <a:schemeClr val="tx1"/>
+                </a:solidFill>
+                <a:effectLst/>
+                <a:uLnTx/>
+                <a:uFillTx/>
+                <a:latin typeface="+mn-lt"/>
+                <a:ea typeface="+mn-ea"/>
+                <a:cs typeface="+mn-cs"/>
+                <a:hlinkClick r:id="rId2"/>
+              </a:rPr>
+              <a:t>Acidentes - Conjuntos de dados - Portal de Dados Abertos ANTT</a:t>
+            </a:r>
+            <a:endParaRPr kumimoji="0" lang="pt-BR" sz="1100" b="1" i="0" u="none" strike="noStrike" kern="1200" cap="none" spc="0" normalizeH="0" baseline="0" noProof="0" dirty="0" smtClean="0">
+              <a:ln>
+                <a:noFill/>
+              </a:ln>
+              <a:solidFill>
+                <a:schemeClr val="tx1"/>
+              </a:solidFill>
+              <a:effectLst/>
+              <a:uLnTx/>
+              <a:uFillTx/>
+              <a:latin typeface="+mn-lt"/>
+              <a:ea typeface="+mn-ea"/>
+              <a:cs typeface="+mn-cs"/>
+            </a:endParaRPr>
+          </a:p>
+          <a:p>
+            <a:pPr marL="621792" marR="0" lvl="1" indent="-228600" algn="l" defTabSz="914400" rtl="0" eaLnBrk="1" fontAlgn="auto" latinLnBrk="0" hangingPunct="1">
+              <a:lnSpc>
+                <a:spcPct val="100000"/>
+              </a:lnSpc>
+              <a:spcBef>
+                <a:spcPts val="324"/>
+              </a:spcBef>
+              <a:spcAft>
+                <a:spcPts val="0"/>
+              </a:spcAft>
+              <a:buClr>
+                <a:schemeClr val="accent1"/>
+              </a:buClr>
+              <a:buSzTx/>
+              <a:buFont typeface="Verdana"/>
+              <a:buChar char="◦"/>
+              <a:tabLst/>
+              <a:defRPr/>
+            </a:pPr>
+            <a:endParaRPr kumimoji="0" lang="pt-BR" sz="1300" b="0" i="0" u="none" strike="noStrike" kern="1200" cap="none" spc="0" normalizeH="0" baseline="0" noProof="0" dirty="0" smtClean="0">
+              <a:ln>
+                <a:noFill/>
+              </a:ln>
+              <a:solidFill>
+                <a:schemeClr val="tx1"/>
+              </a:solidFill>
+              <a:effectLst/>
+              <a:uLnTx/>
+              <a:uFillTx/>
+              <a:latin typeface="+mn-lt"/>
+              <a:ea typeface="+mn-ea"/>
+              <a:cs typeface="+mn-cs"/>
+            </a:endParaRPr>
+          </a:p>
+          <a:p>
+            <a:pPr marL="621792" marR="0" lvl="1" indent="-228600" algn="l" defTabSz="914400" rtl="0" eaLnBrk="1" fontAlgn="auto" latinLnBrk="0" hangingPunct="1">
+              <a:lnSpc>
+                <a:spcPct val="100000"/>
+              </a:lnSpc>
+              <a:spcBef>
+                <a:spcPts val="324"/>
+              </a:spcBef>
+              <a:spcAft>
+                <a:spcPts val="0"/>
+              </a:spcAft>
+              <a:buClr>
+                <a:schemeClr val="accent1"/>
+              </a:buClr>
+              <a:buSzTx/>
+              <a:buFont typeface="Verdana"/>
+              <a:buChar char="◦"/>
+              <a:tabLst/>
+              <a:defRPr/>
+            </a:pPr>
+            <a:r>
+              <a:rPr kumimoji="0" lang="pt-BR" sz="1300" b="1" i="0" u="none" strike="noStrike" kern="1200" cap="none" spc="0" normalizeH="0" baseline="0" noProof="0" dirty="0" smtClean="0">
+                <a:ln>
+                  <a:noFill/>
+                </a:ln>
+                <a:solidFill>
+                  <a:schemeClr val="tx1"/>
+                </a:solidFill>
+                <a:effectLst/>
+                <a:uLnTx/>
+                <a:uFillTx/>
+                <a:latin typeface="+mn-lt"/>
+                <a:ea typeface="+mn-ea"/>
+                <a:cs typeface="+mn-cs"/>
+              </a:rPr>
+              <a:t>Construção: </a:t>
+            </a:r>
+            <a:r>
+              <a:rPr kumimoji="0" lang="pt-BR" sz="1300" b="0" i="0" u="none" strike="noStrike" kern="1200" cap="none" spc="0" normalizeH="0" baseline="0" noProof="0" dirty="0" smtClean="0">
+                <a:ln>
+                  <a:noFill/>
+                </a:ln>
+                <a:solidFill>
+                  <a:schemeClr val="tx1"/>
+                </a:solidFill>
+                <a:effectLst/>
+                <a:uLnTx/>
+                <a:uFillTx/>
+                <a:latin typeface="+mn-lt"/>
+                <a:ea typeface="+mn-ea"/>
+                <a:cs typeface="+mn-cs"/>
+              </a:rPr>
+              <a:t> </a:t>
+            </a:r>
+            <a:r>
+              <a:rPr kumimoji="0" lang="pt-BR" sz="1300" b="0" i="0" u="none" strike="noStrike" kern="1200" cap="none" spc="0" normalizeH="0" baseline="0" noProof="0" dirty="0" err="1" smtClean="0">
+                <a:ln>
+                  <a:noFill/>
+                </a:ln>
+                <a:solidFill>
+                  <a:schemeClr val="tx1"/>
+                </a:solidFill>
+                <a:effectLst/>
+                <a:uLnTx/>
+                <a:uFillTx/>
+                <a:latin typeface="+mn-lt"/>
+                <a:ea typeface="+mn-ea"/>
+                <a:cs typeface="+mn-cs"/>
+              </a:rPr>
+              <a:t>Colab</a:t>
+            </a:r>
+            <a:r>
+              <a:rPr kumimoji="0" lang="pt-BR" sz="1300" b="0" i="0" u="none" strike="noStrike" kern="1200" cap="none" spc="0" normalizeH="0" baseline="0" noProof="0" dirty="0" smtClean="0">
+                <a:ln>
+                  <a:noFill/>
+                </a:ln>
+                <a:solidFill>
+                  <a:schemeClr val="tx1"/>
+                </a:solidFill>
+                <a:effectLst/>
+                <a:uLnTx/>
+                <a:uFillTx/>
+                <a:latin typeface="+mn-lt"/>
+                <a:ea typeface="+mn-ea"/>
+                <a:cs typeface="+mn-cs"/>
+              </a:rPr>
+              <a:t> </a:t>
+            </a:r>
+            <a:r>
+              <a:rPr kumimoji="0" lang="pt-BR" sz="1300" b="0" i="0" u="none" strike="noStrike" kern="1200" cap="none" spc="0" normalizeH="0" baseline="0" noProof="0" dirty="0" smtClean="0">
+                <a:ln>
+                  <a:noFill/>
+                </a:ln>
+                <a:solidFill>
+                  <a:schemeClr val="tx1"/>
+                </a:solidFill>
+                <a:effectLst/>
+                <a:uLnTx/>
+                <a:uFillTx/>
+                <a:latin typeface="+mn-lt"/>
+                <a:ea typeface="+mn-ea"/>
+                <a:cs typeface="+mn-cs"/>
+              </a:rPr>
+              <a:t>da Google</a:t>
+            </a:r>
+            <a:endParaRPr kumimoji="0" lang="pt-BR" sz="2300" b="0" i="0" u="none" strike="noStrike" kern="1200" cap="none" spc="0" normalizeH="0" baseline="0" noProof="0" dirty="0" smtClean="0">
+              <a:ln>
+                <a:noFill/>
+              </a:ln>
+              <a:solidFill>
+                <a:schemeClr val="tx1"/>
+              </a:solidFill>
+              <a:effectLst/>
+              <a:uLnTx/>
+              <a:uFillTx/>
+              <a:latin typeface="+mn-lt"/>
+              <a:ea typeface="+mn-ea"/>
+              <a:cs typeface="+mn-cs"/>
+            </a:endParaRPr>
+          </a:p>
+          <a:p>
+            <a:pPr marL="621792" marR="0" lvl="1" indent="-228600" algn="l" defTabSz="914400" rtl="0" eaLnBrk="1" fontAlgn="auto" latinLnBrk="0" hangingPunct="1">
+              <a:lnSpc>
+                <a:spcPct val="100000"/>
+              </a:lnSpc>
+              <a:spcBef>
+                <a:spcPts val="324"/>
+              </a:spcBef>
+              <a:spcAft>
+                <a:spcPts val="0"/>
+              </a:spcAft>
+              <a:buClr>
+                <a:schemeClr val="accent1"/>
+              </a:buClr>
+              <a:buSzTx/>
+              <a:buFont typeface="Verdana"/>
               <a:buNone/>
+              <a:tabLst/>
+              <a:defRPr/>
             </a:pPr>
-            <a:endParaRPr lang="pt-BR" dirty="0" smtClean="0"/>
-          </a:p>
-          <a:p>
-            <a:pPr lvl="1">
-              <a:buNone/>
-            </a:pPr>
-            <a:r>
-              <a:rPr lang="pt-BR" dirty="0" smtClean="0"/>
+            <a:r>
+              <a:rPr kumimoji="0" lang="pt-BR" sz="2300" b="0" i="0" u="none" strike="noStrike" kern="1200" cap="none" spc="0" normalizeH="0" baseline="0" noProof="0" dirty="0" smtClean="0">
+                <a:ln>
+                  <a:noFill/>
+                </a:ln>
+                <a:solidFill>
+                  <a:schemeClr val="tx1"/>
+                </a:solidFill>
+                <a:effectLst/>
+                <a:uLnTx/>
+                <a:uFillTx/>
+                <a:latin typeface="+mn-lt"/>
+                <a:ea typeface="+mn-ea"/>
+                <a:cs typeface="+mn-cs"/>
+              </a:rPr>
               <a:t>	</a:t>
             </a:r>
-            <a:endParaRPr lang="pt-BR" dirty="0"/>
-          </a:p>
-        </p:txBody>
-      </p:sp>
-      <p:sp>
-        <p:nvSpPr>
-          <p:cNvPr id="3" name="Título 2"/>
-          <p:cNvSpPr>
-            <a:spLocks noGrp="1"/>
-          </p:cNvSpPr>
-          <p:nvPr>
-            <p:ph type="title"/>
-          </p:nvPr>
-        </p:nvSpPr>
-        <p:spPr/>
-        <p:txBody>
-          <a:bodyPr/>
-          <a:lstStyle/>
-          <a:p>
-            <a:r>
-              <a:rPr lang="pt-BR" dirty="0" smtClean="0"/>
-              <a:t>MVP – </a:t>
-            </a:r>
-            <a:r>
-              <a:rPr lang="pt-BR" dirty="0" err="1" smtClean="0"/>
-              <a:t>Sprint</a:t>
-            </a:r>
-            <a:r>
-              <a:rPr lang="pt-BR" dirty="0" smtClean="0"/>
-              <a:t> </a:t>
-            </a:r>
-            <a:r>
-              <a:rPr lang="pt-BR" dirty="0" smtClean="0"/>
-              <a:t>4</a:t>
-            </a:r>
-            <a:endParaRPr lang="pt-BR" dirty="0"/>
-          </a:p>
-        </p:txBody>
-      </p:sp>
+            <a:endParaRPr kumimoji="0" lang="pt-BR" sz="2300" b="0" i="0" u="none" strike="noStrike" kern="1200" cap="none" spc="0" normalizeH="0" baseline="0" noProof="0" dirty="0">
+              <a:ln>
+                <a:noFill/>
+              </a:ln>
+              <a:solidFill>
+                <a:schemeClr val="tx1"/>
+              </a:solidFill>
+              <a:effectLst/>
+              <a:uLnTx/>
+              <a:uFillTx/>
+              <a:latin typeface="+mn-lt"/>
+              <a:ea typeface="+mn-ea"/>
+              <a:cs typeface="+mn-cs"/>
+            </a:endParaRPr>
+          </a:p>
+        </p:txBody>
+      </p:sp>
+      <p:pic>
+        <p:nvPicPr>
+          <p:cNvPr id="5" name="Picture 3"/>
+          <p:cNvPicPr>
+            <a:picLocks noChangeAspect="1" noChangeArrowheads="1"/>
+          </p:cNvPicPr>
+          <p:nvPr/>
+        </p:nvPicPr>
+        <p:blipFill>
+          <a:blip r:embed="rId3" cstate="print"/>
+          <a:srcRect/>
+          <a:stretch>
+            <a:fillRect/>
+          </a:stretch>
+        </p:blipFill>
+        <p:spPr bwMode="auto">
+          <a:xfrm>
+            <a:off x="5580112" y="2852936"/>
+            <a:ext cx="3312368" cy="3024336"/>
+          </a:xfrm>
+          <a:prstGeom prst="rect">
+            <a:avLst/>
+          </a:prstGeom>
+          <a:noFill/>
+          <a:ln w="9525">
+            <a:noFill/>
+            <a:miter lim="800000"/>
+            <a:headEnd/>
+            <a:tailEnd/>
+          </a:ln>
+          <a:effectLst/>
+        </p:spPr>
+      </p:pic>
     </p:spTree>
   </p:cSld>
   <p:clrMapOvr>
@@ -4937,16 +5702,23 @@
             <p:ph type="title"/>
           </p:nvPr>
         </p:nvSpPr>
-        <p:spPr/>
-        <p:txBody>
-          <a:bodyPr/>
+        <p:spPr>
+          <a:xfrm>
+            <a:off x="457200" y="274638"/>
+            <a:ext cx="8229600" cy="850106"/>
+          </a:xfrm>
+        </p:spPr>
+        <p:txBody>
+          <a:bodyPr>
+            <a:normAutofit/>
+          </a:bodyPr>
           <a:lstStyle/>
           <a:p>
             <a:r>
-              <a:rPr lang="pt-BR" dirty="0" err="1" smtClean="0"/>
+              <a:rPr lang="pt-BR" sz="2800" dirty="0" err="1" smtClean="0"/>
               <a:t>Personas</a:t>
             </a:r>
-            <a:endParaRPr lang="pt-BR" dirty="0"/>
+            <a:endParaRPr lang="pt-BR" sz="2800" dirty="0"/>
           </a:p>
         </p:txBody>
       </p:sp>
@@ -4967,7 +5739,7 @@
         </p:blipFill>
         <p:spPr bwMode="auto">
           <a:xfrm>
-            <a:off x="683569" y="1484784"/>
+            <a:off x="683568" y="1196752"/>
             <a:ext cx="1593394" cy="1512168"/>
           </a:xfrm>
           <a:prstGeom prst="rect">
@@ -5010,8 +5782,8 @@
         </p:nvSpPr>
         <p:spPr>
           <a:xfrm>
-            <a:off x="971600" y="3140968"/>
-            <a:ext cx="1080120" cy="307777"/>
+            <a:off x="467544" y="2852936"/>
+            <a:ext cx="1584176" cy="523220"/>
           </a:xfrm>
           <a:prstGeom prst="rect">
             <a:avLst/>
@@ -5026,7 +5798,7 @@
           <a:p>
             <a:r>
               <a:rPr lang="pt-BR" sz="1400" dirty="0" smtClean="0"/>
-              <a:t>Subscritor</a:t>
+              <a:t>Seguradora Subscritor</a:t>
             </a:r>
             <a:endParaRPr lang="pt-BR" sz="1400" dirty="0"/>
           </a:p>
@@ -5067,7 +5839,7 @@
         <p:spPr>
           <a:xfrm>
             <a:off x="2987824" y="2924944"/>
-            <a:ext cx="2856872" cy="276999"/>
+            <a:ext cx="2856872" cy="461665"/>
           </a:xfrm>
           <a:prstGeom prst="rect">
             <a:avLst/>
@@ -5082,17 +5854,19 @@
           <a:p>
             <a:r>
               <a:rPr lang="pt-BR" sz="1200" dirty="0" smtClean="0"/>
+              <a:t>Seguradora</a:t>
+            </a:r>
+            <a:endParaRPr lang="pt-BR" sz="1200" dirty="0" smtClean="0"/>
+          </a:p>
+          <a:p>
+            <a:r>
+              <a:rPr lang="pt-BR" sz="1200" dirty="0" smtClean="0"/>
               <a:t>Analista </a:t>
             </a:r>
             <a:r>
               <a:rPr lang="pt-BR" sz="1200" dirty="0" smtClean="0"/>
-              <a:t>de Gerenciamento de </a:t>
-            </a:r>
-            <a:r>
-              <a:rPr lang="pt-BR" sz="1200" dirty="0" smtClean="0"/>
-              <a:t>Risco</a:t>
-            </a:r>
-            <a:endParaRPr lang="pt-BR" sz="1200" dirty="0" smtClean="0"/>
+              <a:t>de Gerenciamento de Risco</a:t>
+            </a:r>
           </a:p>
         </p:txBody>
       </p:sp>
@@ -5122,7 +5896,6 @@
               <a:rPr lang="pt-BR" sz="1200" dirty="0" smtClean="0"/>
               <a:t>Companhia Seguradora</a:t>
             </a:r>
-            <a:endParaRPr lang="pt-BR" sz="1200" dirty="0" smtClean="0"/>
           </a:p>
         </p:txBody>
       </p:sp>
@@ -5176,9 +5949,8 @@
           <a:p>
             <a:r>
               <a:rPr lang="pt-BR" sz="1200" dirty="0" smtClean="0"/>
-              <a:t>Corretor de Seguros de carga</a:t>
-            </a:r>
-            <a:endParaRPr lang="pt-BR" sz="1200" dirty="0" smtClean="0"/>
+              <a:t>Corretor de Seguros</a:t>
+            </a:r>
           </a:p>
         </p:txBody>
       </p:sp>
@@ -5199,7 +5971,7 @@
         </p:blipFill>
         <p:spPr bwMode="auto">
           <a:xfrm>
-            <a:off x="5940152" y="980728"/>
+            <a:off x="5940152" y="1052736"/>
             <a:ext cx="2419316" cy="1862530"/>
           </a:xfrm>
           <a:prstGeom prst="rect">
@@ -5216,8 +5988,8 @@
         </p:nvSpPr>
         <p:spPr>
           <a:xfrm>
-            <a:off x="6804248" y="2780928"/>
-            <a:ext cx="782587" cy="276999"/>
+            <a:off x="6804248" y="2852936"/>
+            <a:ext cx="883575" cy="276999"/>
           </a:xfrm>
           <a:prstGeom prst="rect">
             <a:avLst/>
@@ -5232,9 +6004,8 @@
           <a:p>
             <a:r>
               <a:rPr lang="pt-BR" sz="1200" dirty="0" smtClean="0"/>
-              <a:t>Clientes</a:t>
-            </a:r>
-            <a:endParaRPr lang="pt-BR" sz="1200" dirty="0" smtClean="0"/>
+              <a:t>Segurado</a:t>
+            </a:r>
           </a:p>
         </p:txBody>
       </p:sp>
@@ -5272,7 +6043,7 @@
       </p:grpSpPr>
       <p:sp>
         <p:nvSpPr>
-          <p:cNvPr id="2" name="Título 1"/>
+          <p:cNvPr id="3" name="Título 2"/>
           <p:cNvSpPr>
             <a:spLocks noGrp="1"/>
           </p:cNvSpPr>
@@ -5282,166 +6053,52 @@
         </p:nvSpPr>
         <p:spPr/>
         <p:txBody>
-          <a:bodyPr/>
-          <a:lstStyle/>
-          <a:p>
-            <a:r>
-              <a:rPr lang="pt-BR" dirty="0" smtClean="0"/>
-              <a:t>MVP</a:t>
-            </a:r>
-            <a:endParaRPr lang="pt-BR" dirty="0"/>
-          </a:p>
-        </p:txBody>
-      </p:sp>
-      <p:sp>
-        <p:nvSpPr>
-          <p:cNvPr id="3" name="Espaço Reservado para Conteúdo 2"/>
-          <p:cNvSpPr>
-            <a:spLocks noGrp="1"/>
-          </p:cNvSpPr>
-          <p:nvPr>
-            <p:ph idx="1"/>
-          </p:nvPr>
-        </p:nvSpPr>
-        <p:spPr>
-          <a:xfrm>
-            <a:off x="395536" y="1268760"/>
-            <a:ext cx="8229600" cy="4525963"/>
-          </a:xfrm>
-        </p:spPr>
-        <p:txBody>
           <a:bodyPr>
-            <a:normAutofit fontScale="70000" lnSpcReduction="20000"/>
+            <a:normAutofit/>
           </a:bodyPr>
           <a:lstStyle/>
           <a:p>
             <a:r>
-              <a:rPr lang="pt-BR" dirty="0" smtClean="0"/>
-              <a:t>Criação do modelo machine </a:t>
-            </a:r>
-            <a:r>
-              <a:rPr lang="pt-BR" dirty="0" err="1" smtClean="0"/>
-              <a:t>learning</a:t>
-            </a:r>
-            <a:endParaRPr lang="pt-BR" dirty="0" smtClean="0"/>
-          </a:p>
-          <a:p>
-            <a:endParaRPr lang="pt-BR" dirty="0" smtClean="0"/>
-          </a:p>
-          <a:p>
-            <a:pPr lvl="1"/>
-            <a:r>
-              <a:rPr lang="pt-BR" dirty="0" smtClean="0"/>
-              <a:t>Classificação do risco de acidentes com caminhão</a:t>
-            </a:r>
-          </a:p>
-          <a:p>
-            <a:pPr lvl="1"/>
-            <a:endParaRPr lang="pt-BR" dirty="0" smtClean="0"/>
-          </a:p>
-          <a:p>
-            <a:pPr lvl="1"/>
-            <a:r>
-              <a:rPr lang="pt-BR" dirty="0" err="1" smtClean="0"/>
-              <a:t>DataSet</a:t>
-            </a:r>
-            <a:r>
-              <a:rPr lang="pt-BR" dirty="0" smtClean="0"/>
-              <a:t> -Base estatística de diversos acidentes de caminhão da concessionária Nova Dutra (SP – RIO / BR-116). </a:t>
-            </a:r>
-            <a:r>
-              <a:rPr lang="pt-BR" dirty="0" smtClean="0"/>
-              <a:t>Período: 2010 à </a:t>
-            </a:r>
-            <a:r>
-              <a:rPr lang="pt-BR" dirty="0" smtClean="0"/>
-              <a:t>2013</a:t>
-            </a:r>
-          </a:p>
-          <a:p>
-            <a:pPr lvl="1"/>
-            <a:endParaRPr lang="pt-BR" dirty="0" smtClean="0"/>
-          </a:p>
-          <a:p>
-            <a:pPr lvl="2"/>
-            <a:r>
-              <a:rPr lang="pt-BR" b="1" dirty="0" smtClean="0"/>
-              <a:t>Fonte: </a:t>
-            </a:r>
-            <a:r>
-              <a:rPr lang="pt-BR" dirty="0" smtClean="0">
-                <a:hlinkClick r:id="rId2"/>
-              </a:rPr>
-              <a:t>Acidentes - Conjuntos de dados - Portal de Dados Abertos ANTT</a:t>
-            </a:r>
-            <a:endParaRPr lang="pt-BR" b="1" dirty="0" smtClean="0"/>
-          </a:p>
-          <a:p>
-            <a:pPr lvl="1"/>
-            <a:endParaRPr lang="pt-BR" dirty="0" smtClean="0"/>
-          </a:p>
-          <a:p>
-            <a:pPr lvl="1"/>
-            <a:r>
-              <a:rPr lang="pt-BR" dirty="0" err="1" smtClean="0"/>
-              <a:t>Colab</a:t>
-            </a:r>
-            <a:r>
-              <a:rPr lang="pt-BR" dirty="0" smtClean="0"/>
-              <a:t> para a </a:t>
-            </a:r>
-            <a:r>
-              <a:rPr lang="pt-BR" dirty="0" smtClean="0"/>
-              <a:t>criação e treinamento do modelo de Machine </a:t>
-            </a:r>
-            <a:r>
-              <a:rPr lang="pt-BR" dirty="0" err="1" smtClean="0"/>
-              <a:t>Learning</a:t>
-            </a:r>
-            <a:endParaRPr lang="pt-BR" dirty="0" smtClean="0"/>
-          </a:p>
-          <a:p>
-            <a:endParaRPr lang="pt-BR" dirty="0" smtClean="0"/>
-          </a:p>
-          <a:p>
-            <a:r>
-              <a:rPr lang="pt-BR" dirty="0" smtClean="0"/>
-              <a:t>Metas do </a:t>
-            </a:r>
-            <a:r>
-              <a:rPr lang="pt-BR" dirty="0" smtClean="0"/>
-              <a:t>MVP</a:t>
-            </a:r>
-          </a:p>
-          <a:p>
-            <a:pPr lvl="1"/>
-            <a:endParaRPr lang="pt-BR" dirty="0" smtClean="0"/>
-          </a:p>
-          <a:p>
-            <a:pPr lvl="1"/>
-            <a:r>
-              <a:rPr lang="pt-BR" dirty="0" smtClean="0"/>
-              <a:t>Auxiliar na cobrança ou não de agravo e visualização de tipos de acidentes já ocorridos.</a:t>
-            </a:r>
-          </a:p>
-          <a:p>
-            <a:pPr lvl="1"/>
-            <a:endParaRPr lang="pt-BR" dirty="0" smtClean="0"/>
-          </a:p>
-          <a:p>
-            <a:pPr lvl="1"/>
-            <a:r>
-              <a:rPr lang="pt-BR" dirty="0" smtClean="0"/>
-              <a:t>Identificar a existência de agravo sobre o prêmio do seguro de viagem no trecho SP á RJ </a:t>
-            </a:r>
-            <a:endParaRPr lang="pt-BR" dirty="0" smtClean="0"/>
-          </a:p>
-          <a:p>
-            <a:pPr lvl="1"/>
-            <a:endParaRPr lang="pt-BR" dirty="0" smtClean="0"/>
-          </a:p>
-        </p:txBody>
-      </p:sp>
+              <a:rPr lang="pt-BR" sz="2800" dirty="0" smtClean="0"/>
+              <a:t>MVP -Arquitetura</a:t>
+            </a:r>
+            <a:endParaRPr lang="pt-BR" sz="2800" dirty="0"/>
+          </a:p>
+        </p:txBody>
+      </p:sp>
+      <p:pic>
+        <p:nvPicPr>
+          <p:cNvPr id="1027" name="Picture 3"/>
+          <p:cNvPicPr>
+            <a:picLocks noChangeAspect="1" noChangeArrowheads="1"/>
+          </p:cNvPicPr>
+          <p:nvPr/>
+        </p:nvPicPr>
+        <p:blipFill>
+          <a:blip r:embed="rId2" cstate="print"/>
+          <a:srcRect/>
+          <a:stretch>
+            <a:fillRect/>
+          </a:stretch>
+        </p:blipFill>
+        <p:spPr bwMode="auto">
+          <a:xfrm>
+            <a:off x="1270000" y="1444625"/>
+            <a:ext cx="6602413" cy="3971925"/>
+          </a:xfrm>
+          <a:prstGeom prst="rect">
+            <a:avLst/>
+          </a:prstGeom>
+          <a:noFill/>
+          <a:ln w="9525">
+            <a:noFill/>
+            <a:miter lim="800000"/>
+            <a:headEnd/>
+            <a:tailEnd/>
+          </a:ln>
+          <a:effectLst/>
+        </p:spPr>
+      </p:pic>
     </p:spTree>
   </p:cSld>
   <p:clrMapOvr>
@@ -5484,295 +6141,6 @@
             <p:ph type="title"/>
           </p:nvPr>
         </p:nvSpPr>
-        <p:spPr/>
-        <p:txBody>
-          <a:bodyPr/>
-          <a:lstStyle/>
-          <a:p>
-            <a:r>
-              <a:rPr lang="pt-BR" dirty="0" smtClean="0"/>
-              <a:t>Modelo e </a:t>
-            </a:r>
-            <a:r>
-              <a:rPr lang="pt-BR" dirty="0" err="1" smtClean="0"/>
-              <a:t>DataSet</a:t>
-            </a:r>
-            <a:r>
-              <a:rPr lang="pt-BR" dirty="0" smtClean="0"/>
-              <a:t>- </a:t>
-            </a:r>
-            <a:r>
-              <a:rPr lang="pt-BR" dirty="0" err="1" smtClean="0"/>
-              <a:t>Colab</a:t>
-            </a:r>
-            <a:endParaRPr lang="pt-BR" dirty="0"/>
-          </a:p>
-        </p:txBody>
-      </p:sp>
-      <p:pic>
-        <p:nvPicPr>
-          <p:cNvPr id="20482" name="Picture 2"/>
-          <p:cNvPicPr>
-            <a:picLocks noChangeAspect="1" noChangeArrowheads="1"/>
-          </p:cNvPicPr>
-          <p:nvPr/>
-        </p:nvPicPr>
-        <p:blipFill>
-          <a:blip r:embed="rId2" cstate="print"/>
-          <a:srcRect/>
-          <a:stretch>
-            <a:fillRect/>
-          </a:stretch>
-        </p:blipFill>
-        <p:spPr bwMode="auto">
-          <a:xfrm>
-            <a:off x="3563888" y="1628800"/>
-            <a:ext cx="4608513" cy="4680520"/>
-          </a:xfrm>
-          <a:prstGeom prst="rect">
-            <a:avLst/>
-          </a:prstGeom>
-          <a:noFill/>
-          <a:ln w="9525">
-            <a:noFill/>
-            <a:miter lim="800000"/>
-            <a:headEnd/>
-            <a:tailEnd/>
-          </a:ln>
-          <a:effectLst/>
-        </p:spPr>
-      </p:pic>
-      <p:pic>
-        <p:nvPicPr>
-          <p:cNvPr id="20483" name="Picture 3"/>
-          <p:cNvPicPr>
-            <a:picLocks noChangeAspect="1" noChangeArrowheads="1"/>
-          </p:cNvPicPr>
-          <p:nvPr/>
-        </p:nvPicPr>
-        <p:blipFill>
-          <a:blip r:embed="rId3" cstate="print"/>
-          <a:srcRect/>
-          <a:stretch>
-            <a:fillRect/>
-          </a:stretch>
-        </p:blipFill>
-        <p:spPr bwMode="auto">
-          <a:xfrm>
-            <a:off x="107504" y="1628800"/>
-            <a:ext cx="3240360" cy="3709776"/>
-          </a:xfrm>
-          <a:prstGeom prst="rect">
-            <a:avLst/>
-          </a:prstGeom>
-          <a:noFill/>
-          <a:ln w="9525">
-            <a:noFill/>
-            <a:miter lim="800000"/>
-            <a:headEnd/>
-            <a:tailEnd/>
-          </a:ln>
-          <a:effectLst/>
-        </p:spPr>
-      </p:pic>
-      <p:sp>
-        <p:nvSpPr>
-          <p:cNvPr id="8" name="CaixaDeTexto 7"/>
-          <p:cNvSpPr txBox="1"/>
-          <p:nvPr/>
-        </p:nvSpPr>
-        <p:spPr>
-          <a:xfrm>
-            <a:off x="107504" y="1268760"/>
-            <a:ext cx="1080120" cy="307777"/>
-          </a:xfrm>
-          <a:prstGeom prst="rect">
-            <a:avLst/>
-          </a:prstGeom>
-          <a:noFill/>
-        </p:spPr>
-        <p:txBody>
-          <a:bodyPr wrap="square" rtlCol="0">
-            <a:spAutoFit/>
-          </a:bodyPr>
-          <a:lstStyle/>
-          <a:p>
-            <a:r>
-              <a:rPr lang="pt-BR" sz="1400" dirty="0" err="1" smtClean="0"/>
-              <a:t>DataSet</a:t>
-            </a:r>
-            <a:endParaRPr lang="pt-BR" sz="1400" dirty="0"/>
-          </a:p>
-        </p:txBody>
-      </p:sp>
-      <p:sp>
-        <p:nvSpPr>
-          <p:cNvPr id="9" name="CaixaDeTexto 8"/>
-          <p:cNvSpPr txBox="1"/>
-          <p:nvPr/>
-        </p:nvSpPr>
-        <p:spPr>
-          <a:xfrm>
-            <a:off x="3563888" y="1268760"/>
-            <a:ext cx="4608512" cy="307777"/>
-          </a:xfrm>
-          <a:prstGeom prst="rect">
-            <a:avLst/>
-          </a:prstGeom>
-          <a:noFill/>
-        </p:spPr>
-        <p:txBody>
-          <a:bodyPr wrap="square" rtlCol="0">
-            <a:spAutoFit/>
-          </a:bodyPr>
-          <a:lstStyle/>
-          <a:p>
-            <a:r>
-              <a:rPr lang="pt-BR" sz="1400" dirty="0" smtClean="0"/>
-              <a:t>Criação, treinamento e </a:t>
-            </a:r>
-            <a:r>
-              <a:rPr lang="pt-BR" sz="1400" dirty="0" err="1" smtClean="0"/>
-              <a:t>tunning</a:t>
-            </a:r>
-            <a:r>
-              <a:rPr lang="pt-BR" sz="1400" dirty="0" smtClean="0"/>
-              <a:t> do modelo</a:t>
-            </a:r>
-            <a:endParaRPr lang="pt-BR" sz="1400" dirty="0"/>
-          </a:p>
-        </p:txBody>
-      </p:sp>
-    </p:spTree>
-  </p:cSld>
-  <p:clrMapOvr>
-    <a:masterClrMapping/>
-  </p:clrMapOvr>
-  <p:timing>
-    <p:tnLst>
-      <p:par>
-        <p:cTn id="1" dur="indefinite" restart="never" nodeType="tmRoot"/>
-      </p:par>
-    </p:tnLst>
-  </p:timing>
-</p:sld>
-</file>
-
-<file path=ppt/slides/slide6.xml><?xml version="1.0" encoding="utf-8"?>
-<p:sld xmlns:a="http://schemas.openxmlformats.org/drawingml/2006/main" xmlns:r="http://schemas.openxmlformats.org/officeDocument/2006/relationships" xmlns:p="http://schemas.openxmlformats.org/presentationml/2006/main">
-  <p:cSld>
-    <p:spTree>
-      <p:nvGrpSpPr>
-        <p:cNvPr id="1" name=""/>
-        <p:cNvGrpSpPr/>
-        <p:nvPr/>
-      </p:nvGrpSpPr>
-      <p:grpSpPr>
-        <a:xfrm>
-          <a:off x="0" y="0"/>
-          <a:ext cx="0" cy="0"/>
-          <a:chOff x="0" y="0"/>
-          <a:chExt cx="0" cy="0"/>
-        </a:xfrm>
-      </p:grpSpPr>
-      <p:sp>
-        <p:nvSpPr>
-          <p:cNvPr id="3" name="Título 2"/>
-          <p:cNvSpPr>
-            <a:spLocks noGrp="1"/>
-          </p:cNvSpPr>
-          <p:nvPr>
-            <p:ph type="title"/>
-          </p:nvPr>
-        </p:nvSpPr>
-        <p:spPr/>
-        <p:txBody>
-          <a:bodyPr/>
-          <a:lstStyle/>
-          <a:p>
-            <a:r>
-              <a:rPr lang="pt-BR" dirty="0" smtClean="0"/>
-              <a:t>Arquitetura do sistema</a:t>
-            </a:r>
-            <a:endParaRPr lang="pt-BR" dirty="0"/>
-          </a:p>
-        </p:txBody>
-      </p:sp>
-      <p:pic>
-        <p:nvPicPr>
-          <p:cNvPr id="3074" name="Picture 2"/>
-          <p:cNvPicPr>
-            <a:picLocks noChangeAspect="1" noChangeArrowheads="1"/>
-          </p:cNvPicPr>
-          <p:nvPr/>
-        </p:nvPicPr>
-        <p:blipFill>
-          <a:blip r:embed="rId2" cstate="print"/>
-          <a:srcRect/>
-          <a:stretch>
-            <a:fillRect/>
-          </a:stretch>
-        </p:blipFill>
-        <p:spPr bwMode="auto">
-          <a:xfrm>
-            <a:off x="611560" y="1268760"/>
-            <a:ext cx="7704856" cy="4123522"/>
-          </a:xfrm>
-          <a:prstGeom prst="rect">
-            <a:avLst/>
-          </a:prstGeom>
-          <a:noFill/>
-          <a:ln w="9525">
-            <a:noFill/>
-            <a:miter lim="800000"/>
-            <a:headEnd/>
-            <a:tailEnd/>
-          </a:ln>
-          <a:effectLst/>
-        </p:spPr>
-      </p:pic>
-    </p:spTree>
-  </p:cSld>
-  <p:clrMapOvr>
-    <a:masterClrMapping/>
-  </p:clrMapOvr>
-  <p:timing>
-    <p:tnLst>
-      <p:par>
-        <p:cTn id="1" dur="indefinite" restart="never" nodeType="tmRoot"/>
-      </p:par>
-    </p:tnLst>
-  </p:timing>
-</p:sld>
-</file>
-
-<file path=ppt/slides/slide7.xml><?xml version="1.0" encoding="utf-8"?>
-<p:sld xmlns:a="http://schemas.openxmlformats.org/drawingml/2006/main" xmlns:r="http://schemas.openxmlformats.org/officeDocument/2006/relationships" xmlns:p="http://schemas.openxmlformats.org/presentationml/2006/main">
-  <p:cSld>
-    <p:spTree>
-      <p:nvGrpSpPr>
-        <p:cNvPr id="1" name=""/>
-        <p:cNvGrpSpPr/>
-        <p:nvPr/>
-      </p:nvGrpSpPr>
-      <p:grpSpPr>
-        <a:xfrm>
-          <a:off x="0" y="0"/>
-          <a:ext cx="0" cy="0"/>
-          <a:chOff x="0" y="0"/>
-          <a:chExt cx="0" cy="0"/>
-        </a:xfrm>
-      </p:grpSpPr>
-      <p:sp>
-        <p:nvSpPr>
-          <p:cNvPr id="3" name="Título 2"/>
-          <p:cNvSpPr>
-            <a:spLocks noGrp="1"/>
-          </p:cNvSpPr>
-          <p:nvPr>
-            <p:ph type="title"/>
-          </p:nvPr>
-        </p:nvSpPr>
         <p:spPr>
           <a:xfrm>
             <a:off x="428596" y="2571744"/>
@@ -5785,10 +6153,10 @@
           <a:p>
             <a:pPr algn="ctr"/>
             <a:r>
-              <a:rPr lang="pt-BR" dirty="0" smtClean="0"/>
+              <a:rPr lang="pt-BR" sz="4000" dirty="0" smtClean="0"/>
               <a:t>FIM</a:t>
             </a:r>
-            <a:endParaRPr lang="pt-BR" dirty="0"/>
+            <a:endParaRPr lang="pt-BR" sz="4000" dirty="0"/>
           </a:p>
         </p:txBody>
       </p:sp>
